--- a/REPLICACIÓN DE DATOS.pptx
+++ b/REPLICACIÓN DE DATOS.pptx
@@ -8,6 +8,7 @@
     <p:sldId id="256" r:id="rId2"/>
     <p:sldId id="257" r:id="rId3"/>
     <p:sldId id="258" r:id="rId4"/>
+    <p:sldId id="259" r:id="rId5"/>
   </p:sldIdLst>
   <p:sldSz cx="12192000" cy="6858000"/>
   <p:notesSz cx="6858000" cy="9144000"/>
@@ -114,9 +115,13 @@
             <p14:sldId id="256"/>
             <p14:sldId id="257"/>
             <p14:sldId id="258"/>
+            <p14:sldId id="259"/>
           </p14:sldIdLst>
         </p14:section>
       </p14:sectionLst>
+    </p:ext>
+    <p:ext uri="{EFAFB233-063F-42B5-8137-9DF3F51BA10A}">
+      <p15:sldGuideLst xmlns:p15="http://schemas.microsoft.com/office/powerpoint/2012/main"/>
     </p:ext>
   </p:extLst>
 </p:presentation>
@@ -5987,9 +5992,16 @@
             <p:ph idx="1"/>
           </p:nvPr>
         </p:nvSpPr>
-        <p:spPr/>
-        <p:txBody>
-          <a:bodyPr/>
+        <p:spPr>
+          <a:xfrm>
+            <a:off x="685800" y="1900945"/>
+            <a:ext cx="10820400" cy="4024125"/>
+          </a:xfrm>
+        </p:spPr>
+        <p:txBody>
+          <a:bodyPr>
+            <a:normAutofit lnSpcReduction="10000"/>
+          </a:bodyPr>
           <a:lstStyle/>
           <a:p>
             <a:r>
@@ -6002,7 +6014,66 @@
               <a:rPr lang="es-MX" dirty="0"/>
               <a:t>Normalmente se utiliza el protocolo de compromiso 2PC.</a:t>
             </a:r>
-            <a:endParaRPr lang="es-EC" dirty="0"/>
+          </a:p>
+          <a:p>
+            <a:pPr marL="0" indent="0">
+              <a:buNone/>
+            </a:pPr>
+            <a:endParaRPr lang="es-MX" dirty="0"/>
+          </a:p>
+          <a:p>
+            <a:pPr marL="0" indent="0">
+              <a:buNone/>
+            </a:pPr>
+            <a:r>
+              <a:rPr lang="es-MX" dirty="0">
+                <a:solidFill>
+                  <a:srgbClr val="FF0000"/>
+                </a:solidFill>
+              </a:rPr>
+              <a:t>Existen 2 variantes comunes: Propagación sincrónica, Propagación diferida</a:t>
+            </a:r>
+          </a:p>
+          <a:p>
+            <a:pPr marL="0" indent="0">
+              <a:buNone/>
+            </a:pPr>
+            <a:endParaRPr lang="es-MX" dirty="0"/>
+          </a:p>
+          <a:p>
+            <a:pPr marL="0" indent="0">
+              <a:buNone/>
+            </a:pPr>
+            <a:r>
+              <a:rPr lang="es-MX" dirty="0"/>
+              <a:t>Las estrategias ansiosas garantizan criterios de consistencia Fuerte (es decir que una vez terminada la transacción todas las copias estarán sincronizadas)</a:t>
+            </a:r>
+          </a:p>
+          <a:p>
+            <a:pPr marL="0" indent="0" algn="ctr">
+              <a:buNone/>
+            </a:pPr>
+            <a:endParaRPr lang="en-US" dirty="0"/>
+          </a:p>
+          <a:p>
+            <a:pPr marL="0" indent="0" algn="ctr">
+              <a:buNone/>
+            </a:pPr>
+            <a:r>
+              <a:rPr lang="en-US" dirty="0"/>
+              <a:t>read‑one/write‑all (ROWA)</a:t>
+            </a:r>
+            <a:endParaRPr lang="es-MX" dirty="0"/>
+          </a:p>
+          <a:p>
+            <a:pPr marL="0" indent="0">
+              <a:buNone/>
+            </a:pPr>
+            <a:endParaRPr lang="es-EC" dirty="0">
+              <a:solidFill>
+                <a:srgbClr val="FF0000"/>
+              </a:solidFill>
+            </a:endParaRPr>
           </a:p>
         </p:txBody>
       </p:sp>
@@ -6010,6 +6081,167 @@
     <p:extLst>
       <p:ext uri="{BB962C8B-B14F-4D97-AF65-F5344CB8AC3E}">
         <p14:creationId xmlns:p14="http://schemas.microsoft.com/office/powerpoint/2010/main" val="2490671235"/>
+      </p:ext>
+    </p:extLst>
+  </p:cSld>
+  <p:clrMapOvr>
+    <a:masterClrMapping/>
+  </p:clrMapOvr>
+</p:sld>
+</file>
+
+<file path=ppt/slides/slide4.xml><?xml version="1.0" encoding="utf-8"?>
+<p:sld xmlns:a="http://schemas.openxmlformats.org/drawingml/2006/main" xmlns:r="http://schemas.openxmlformats.org/officeDocument/2006/relationships" xmlns:p="http://schemas.openxmlformats.org/presentationml/2006/main">
+  <p:cSld>
+    <p:spTree>
+      <p:nvGrpSpPr>
+        <p:cNvPr id="1" name=""/>
+        <p:cNvGrpSpPr/>
+        <p:nvPr/>
+      </p:nvGrpSpPr>
+      <p:grpSpPr>
+        <a:xfrm>
+          <a:off x="0" y="0"/>
+          <a:ext cx="0" cy="0"/>
+          <a:chOff x="0" y="0"/>
+          <a:chExt cx="0" cy="0"/>
+        </a:xfrm>
+      </p:grpSpPr>
+      <p:sp>
+        <p:nvSpPr>
+          <p:cNvPr id="2" name="Título 1">
+            <a:extLst>
+              <a:ext uri="{FF2B5EF4-FFF2-40B4-BE49-F238E27FC236}">
+                <a16:creationId xmlns:a16="http://schemas.microsoft.com/office/drawing/2014/main" id="{FB997077-BF31-47B4-9950-A26D027378E7}"/>
+              </a:ext>
+            </a:extLst>
+          </p:cNvPr>
+          <p:cNvSpPr>
+            <a:spLocks noGrp="1"/>
+          </p:cNvSpPr>
+          <p:nvPr>
+            <p:ph type="title"/>
+          </p:nvPr>
+        </p:nvSpPr>
+        <p:spPr/>
+        <p:txBody>
+          <a:bodyPr/>
+          <a:lstStyle/>
+          <a:p>
+            <a:r>
+              <a:rPr lang="es-MX" dirty="0" err="1"/>
+              <a:t>Lazy</a:t>
+            </a:r>
+            <a:r>
+              <a:rPr lang="es-MX" dirty="0"/>
+              <a:t> </a:t>
+            </a:r>
+            <a:r>
+              <a:rPr lang="es-MX" dirty="0" err="1"/>
+              <a:t>update</a:t>
+            </a:r>
+            <a:r>
+              <a:rPr lang="es-MX" dirty="0"/>
+              <a:t> </a:t>
+            </a:r>
+            <a:r>
+              <a:rPr lang="es-MX" dirty="0" err="1"/>
+              <a:t>propagation</a:t>
+            </a:r>
+            <a:r>
+              <a:rPr lang="es-MX" dirty="0"/>
+              <a:t> </a:t>
+            </a:r>
+            <a:br>
+              <a:rPr lang="es-MX" dirty="0"/>
+            </a:br>
+            <a:r>
+              <a:rPr lang="es-MX" dirty="0"/>
+              <a:t>(perezosa)</a:t>
+            </a:r>
+            <a:endParaRPr lang="es-EC" dirty="0"/>
+          </a:p>
+        </p:txBody>
+      </p:sp>
+      <p:sp>
+        <p:nvSpPr>
+          <p:cNvPr id="3" name="Marcador de contenido 2">
+            <a:extLst>
+              <a:ext uri="{FF2B5EF4-FFF2-40B4-BE49-F238E27FC236}">
+                <a16:creationId xmlns:a16="http://schemas.microsoft.com/office/drawing/2014/main" id="{A94C1AE2-4842-41C8-8B70-C232A75846A7}"/>
+              </a:ext>
+            </a:extLst>
+          </p:cNvPr>
+          <p:cNvSpPr>
+            <a:spLocks noGrp="1"/>
+          </p:cNvSpPr>
+          <p:nvPr>
+            <p:ph idx="1"/>
+          </p:nvPr>
+        </p:nvSpPr>
+        <p:spPr/>
+        <p:txBody>
+          <a:bodyPr/>
+          <a:lstStyle/>
+          <a:p>
+            <a:r>
+              <a:rPr lang="es-MX" dirty="0"/>
+              <a:t>La transacción NO espera a que sus actualizaciones se apliquen a todas las copias antes del </a:t>
+            </a:r>
+            <a:r>
+              <a:rPr lang="es-MX" dirty="0" err="1"/>
+              <a:t>commit</a:t>
+            </a:r>
+            <a:r>
+              <a:rPr lang="es-MX" dirty="0"/>
+              <a:t>. En cuanto una sola réplica ha sido actualizada entonces se confirma la transacción.</a:t>
+            </a:r>
+          </a:p>
+          <a:p>
+            <a:pPr marL="0" indent="0">
+              <a:buNone/>
+            </a:pPr>
+            <a:endParaRPr lang="es-MX" dirty="0"/>
+          </a:p>
+          <a:p>
+            <a:r>
+              <a:rPr lang="es-MX" dirty="0"/>
+              <a:t>La propagación a las demás copias se realiza de manera asíncrona</a:t>
+            </a:r>
+          </a:p>
+          <a:p>
+            <a:endParaRPr lang="es-MX" dirty="0"/>
+          </a:p>
+          <a:p>
+            <a:r>
+              <a:rPr lang="es-MX" dirty="0">
+                <a:solidFill>
+                  <a:srgbClr val="FF0000"/>
+                </a:solidFill>
+              </a:rPr>
+              <a:t>Las estrategias ansiosas garantizan criterios de consistencia débil</a:t>
+            </a:r>
+          </a:p>
+          <a:p>
+            <a:endParaRPr lang="es-MX" dirty="0"/>
+          </a:p>
+          <a:p>
+            <a:r>
+              <a:rPr lang="es-MX" dirty="0"/>
+              <a:t>Su principal ventaja es un menor tiempo de espera para las transacciones </a:t>
+            </a:r>
+            <a:r>
+              <a:rPr lang="es-MX"/>
+              <a:t>de actualización</a:t>
+            </a:r>
+            <a:endParaRPr lang="es-EC" dirty="0"/>
+          </a:p>
+        </p:txBody>
+      </p:sp>
+    </p:spTree>
+    <p:extLst>
+      <p:ext uri="{BB962C8B-B14F-4D97-AF65-F5344CB8AC3E}">
+        <p14:creationId xmlns:p14="http://schemas.microsoft.com/office/powerpoint/2010/main" val="3815592675"/>
       </p:ext>
     </p:extLst>
   </p:cSld>

--- a/REPLICACIÓN DE DATOS.pptx
+++ b/REPLICACIÓN DE DATOS.pptx
@@ -9,6 +9,8 @@
     <p:sldId id="257" r:id="rId3"/>
     <p:sldId id="258" r:id="rId4"/>
     <p:sldId id="259" r:id="rId5"/>
+    <p:sldId id="260" r:id="rId6"/>
+    <p:sldId id="261" r:id="rId7"/>
   </p:sldIdLst>
   <p:sldSz cx="12192000" cy="6858000"/>
   <p:notesSz cx="6858000" cy="9144000"/>
@@ -116,6 +118,8 @@
             <p14:sldId id="257"/>
             <p14:sldId id="258"/>
             <p14:sldId id="259"/>
+            <p14:sldId id="260"/>
+            <p14:sldId id="261"/>
           </p14:sldIdLst>
         </p14:section>
       </p14:sectionLst>
@@ -6228,11 +6232,7 @@
           <a:p>
             <a:r>
               <a:rPr lang="es-MX" dirty="0"/>
-              <a:t>Su principal ventaja es un menor tiempo de espera para las transacciones </a:t>
-            </a:r>
-            <a:r>
-              <a:rPr lang="es-MX"/>
-              <a:t>de actualización</a:t>
+              <a:t>Su principal ventaja es un menor tiempo de espera para las transacciones de actualización</a:t>
             </a:r>
             <a:endParaRPr lang="es-EC" dirty="0"/>
           </a:p>
@@ -6242,6 +6242,187 @@
     <p:extLst>
       <p:ext uri="{BB962C8B-B14F-4D97-AF65-F5344CB8AC3E}">
         <p14:creationId xmlns:p14="http://schemas.microsoft.com/office/powerpoint/2010/main" val="3815592675"/>
+      </p:ext>
+    </p:extLst>
+  </p:cSld>
+  <p:clrMapOvr>
+    <a:masterClrMapping/>
+  </p:clrMapOvr>
+</p:sld>
+</file>
+
+<file path=ppt/slides/slide5.xml><?xml version="1.0" encoding="utf-8"?>
+<p:sld xmlns:a="http://schemas.openxmlformats.org/drawingml/2006/main" xmlns:r="http://schemas.openxmlformats.org/officeDocument/2006/relationships" xmlns:p="http://schemas.openxmlformats.org/presentationml/2006/main">
+  <p:cSld>
+    <p:spTree>
+      <p:nvGrpSpPr>
+        <p:cNvPr id="1" name=""/>
+        <p:cNvGrpSpPr/>
+        <p:nvPr/>
+      </p:nvGrpSpPr>
+      <p:grpSpPr>
+        <a:xfrm>
+          <a:off x="0" y="0"/>
+          <a:ext cx="0" cy="0"/>
+          <a:chOff x="0" y="0"/>
+          <a:chExt cx="0" cy="0"/>
+        </a:xfrm>
+      </p:grpSpPr>
+      <p:sp>
+        <p:nvSpPr>
+          <p:cNvPr id="2" name="Título 1">
+            <a:extLst>
+              <a:ext uri="{FF2B5EF4-FFF2-40B4-BE49-F238E27FC236}">
+                <a16:creationId xmlns:a16="http://schemas.microsoft.com/office/drawing/2014/main" id="{FE2DA394-463B-413F-B8E9-5448A12740E2}"/>
+              </a:ext>
+            </a:extLst>
+          </p:cNvPr>
+          <p:cNvSpPr>
+            <a:spLocks noGrp="1"/>
+          </p:cNvSpPr>
+          <p:nvPr>
+            <p:ph type="title"/>
+          </p:nvPr>
+        </p:nvSpPr>
+        <p:spPr/>
+        <p:txBody>
+          <a:bodyPr/>
+          <a:lstStyle/>
+          <a:p>
+            <a:r>
+              <a:rPr lang="es-MX" dirty="0"/>
+              <a:t>Técnicas centralizadas</a:t>
+            </a:r>
+            <a:br>
+              <a:rPr lang="es-MX" dirty="0"/>
+            </a:br>
+            <a:endParaRPr lang="es-EC" dirty="0"/>
+          </a:p>
+        </p:txBody>
+      </p:sp>
+      <p:sp>
+        <p:nvSpPr>
+          <p:cNvPr id="3" name="Marcador de contenido 2">
+            <a:extLst>
+              <a:ext uri="{FF2B5EF4-FFF2-40B4-BE49-F238E27FC236}">
+                <a16:creationId xmlns:a16="http://schemas.microsoft.com/office/drawing/2014/main" id="{6F720E63-E03D-484E-AAF6-EB1F4BB82EF4}"/>
+              </a:ext>
+            </a:extLst>
+          </p:cNvPr>
+          <p:cNvSpPr>
+            <a:spLocks noGrp="1"/>
+          </p:cNvSpPr>
+          <p:nvPr>
+            <p:ph idx="1"/>
+          </p:nvPr>
+        </p:nvSpPr>
+        <p:spPr/>
+        <p:txBody>
+          <a:bodyPr/>
+          <a:lstStyle/>
+          <a:p>
+            <a:r>
+              <a:rPr lang="es-MX" dirty="0"/>
+              <a:t>Se requiere que las actualizaciones se apliquen primero a una copia “master” y luego se propaga a las copias. (esclavas)</a:t>
+            </a:r>
+          </a:p>
+          <a:p>
+            <a:r>
+              <a:rPr lang="es-MX" dirty="0"/>
+              <a:t>Si solo existe un único master se denomina “Técnica Centralizada con maestro único”</a:t>
+            </a:r>
+            <a:endParaRPr lang="es-EC" dirty="0"/>
+          </a:p>
+        </p:txBody>
+      </p:sp>
+    </p:spTree>
+    <p:extLst>
+      <p:ext uri="{BB962C8B-B14F-4D97-AF65-F5344CB8AC3E}">
+        <p14:creationId xmlns:p14="http://schemas.microsoft.com/office/powerpoint/2010/main" val="261908513"/>
+      </p:ext>
+    </p:extLst>
+  </p:cSld>
+  <p:clrMapOvr>
+    <a:masterClrMapping/>
+  </p:clrMapOvr>
+</p:sld>
+</file>
+
+<file path=ppt/slides/slide6.xml><?xml version="1.0" encoding="utf-8"?>
+<p:sld xmlns:a="http://schemas.openxmlformats.org/drawingml/2006/main" xmlns:r="http://schemas.openxmlformats.org/officeDocument/2006/relationships" xmlns:p="http://schemas.openxmlformats.org/presentationml/2006/main">
+  <p:cSld>
+    <p:spTree>
+      <p:nvGrpSpPr>
+        <p:cNvPr id="1" name=""/>
+        <p:cNvGrpSpPr/>
+        <p:nvPr/>
+      </p:nvGrpSpPr>
+      <p:grpSpPr>
+        <a:xfrm>
+          <a:off x="0" y="0"/>
+          <a:ext cx="0" cy="0"/>
+          <a:chOff x="0" y="0"/>
+          <a:chExt cx="0" cy="0"/>
+        </a:xfrm>
+      </p:grpSpPr>
+      <p:sp>
+        <p:nvSpPr>
+          <p:cNvPr id="2" name="Título 1">
+            <a:extLst>
+              <a:ext uri="{FF2B5EF4-FFF2-40B4-BE49-F238E27FC236}">
+                <a16:creationId xmlns:a16="http://schemas.microsoft.com/office/drawing/2014/main" id="{8FABAF90-F4F2-48D9-88C3-A0EAEECD1B50}"/>
+              </a:ext>
+            </a:extLst>
+          </p:cNvPr>
+          <p:cNvSpPr>
+            <a:spLocks noGrp="1"/>
+          </p:cNvSpPr>
+          <p:nvPr>
+            <p:ph type="title"/>
+          </p:nvPr>
+        </p:nvSpPr>
+        <p:spPr/>
+        <p:txBody>
+          <a:bodyPr/>
+          <a:lstStyle/>
+          <a:p>
+            <a:r>
+              <a:rPr lang="es-MX"/>
+              <a:t>Técnicas distribuidas</a:t>
+            </a:r>
+            <a:endParaRPr lang="es-EC"/>
+          </a:p>
+        </p:txBody>
+      </p:sp>
+      <p:sp>
+        <p:nvSpPr>
+          <p:cNvPr id="3" name="Marcador de contenido 2">
+            <a:extLst>
+              <a:ext uri="{FF2B5EF4-FFF2-40B4-BE49-F238E27FC236}">
+                <a16:creationId xmlns:a16="http://schemas.microsoft.com/office/drawing/2014/main" id="{1A4112FF-5B93-415A-A5E5-CF2D7FB46A7D}"/>
+              </a:ext>
+            </a:extLst>
+          </p:cNvPr>
+          <p:cNvSpPr>
+            <a:spLocks noGrp="1"/>
+          </p:cNvSpPr>
+          <p:nvPr>
+            <p:ph idx="1"/>
+          </p:nvPr>
+        </p:nvSpPr>
+        <p:spPr/>
+        <p:txBody>
+          <a:bodyPr/>
+          <a:lstStyle/>
+          <a:p>
+            <a:endParaRPr lang="es-EC"/>
+          </a:p>
+        </p:txBody>
+      </p:sp>
+    </p:spTree>
+    <p:extLst>
+      <p:ext uri="{BB962C8B-B14F-4D97-AF65-F5344CB8AC3E}">
+        <p14:creationId xmlns:p14="http://schemas.microsoft.com/office/powerpoint/2010/main" val="4138681810"/>
       </p:ext>
     </p:extLst>
   </p:cSld>

--- a/REPLICACIÓN DE DATOS.pptx
+++ b/REPLICACIÓN DE DATOS.pptx
@@ -5837,7 +5837,7 @@
         </p:nvSpPr>
         <p:spPr>
           <a:xfrm>
-            <a:off x="1096861" y="3083793"/>
+            <a:off x="937470" y="2833875"/>
             <a:ext cx="10820400" cy="4024125"/>
           </a:xfrm>
         </p:spPr>
@@ -6387,10 +6387,10 @@
           <a:lstStyle/>
           <a:p>
             <a:r>
-              <a:rPr lang="es-MX"/>
+              <a:rPr lang="es-MX" dirty="0"/>
               <a:t>Técnicas distribuidas</a:t>
             </a:r>
-            <a:endParaRPr lang="es-EC"/>
+            <a:endParaRPr lang="es-EC" dirty="0"/>
           </a:p>
         </p:txBody>
       </p:sp>
